--- a/K-means聚类与学习向量量化与密度聚类与层次聚类.pptx
+++ b/K-means聚类与学习向量量化与密度聚类与层次聚类.pptx
@@ -5,7 +5,7 @@
     <p:sldMasterId id="2147483660" r:id="rId1"/>
   </p:sldMasterIdLst>
   <p:notesMasterIdLst>
-    <p:notesMasterId r:id="rId28"/>
+    <p:notesMasterId r:id="rId29"/>
   </p:notesMasterIdLst>
   <p:sldIdLst>
     <p:sldId id="281" r:id="rId2"/>
@@ -28,12 +28,13 @@
     <p:sldId id="356" r:id="rId19"/>
     <p:sldId id="361" r:id="rId20"/>
     <p:sldId id="360" r:id="rId21"/>
-    <p:sldId id="385" r:id="rId22"/>
-    <p:sldId id="386" r:id="rId23"/>
-    <p:sldId id="387" r:id="rId24"/>
-    <p:sldId id="388" r:id="rId25"/>
-    <p:sldId id="389" r:id="rId26"/>
-    <p:sldId id="293" r:id="rId27"/>
+    <p:sldId id="403" r:id="rId22"/>
+    <p:sldId id="385" r:id="rId23"/>
+    <p:sldId id="386" r:id="rId24"/>
+    <p:sldId id="387" r:id="rId25"/>
+    <p:sldId id="388" r:id="rId26"/>
+    <p:sldId id="389" r:id="rId27"/>
+    <p:sldId id="293" r:id="rId28"/>
   </p:sldIdLst>
   <p:sldSz cx="9144000" cy="6858000" type="screen4x3"/>
   <p:notesSz cx="6858000" cy="9144000"/>
@@ -3173,7 +3174,7 @@
           <a:p>
             <a:fld id="{32059066-2812-4DE8-85C1-995A63A769E1}" type="datetimeFigureOut">
               <a:rPr lang="zh-CN" altLang="en-US" smtClean="0"/>
-              <a:t>2024/4/10</a:t>
+              <a:t>2024/4/11</a:t>
             </a:fld>
             <a:endParaRPr lang="zh-CN" altLang="en-US"/>
           </a:p>
@@ -4321,7 +4322,7 @@
           <a:p>
             <a:fld id="{60037B0D-26B4-475B-AB9F-963DF3DF9BCD}" type="datetimeFigureOut">
               <a:rPr lang="zh-CN" altLang="en-US" smtClean="0"/>
-              <a:t>2024/4/10</a:t>
+              <a:t>2024/4/11</a:t>
             </a:fld>
             <a:endParaRPr lang="zh-CN" altLang="en-US"/>
           </a:p>
@@ -4491,7 +4492,7 @@
           <a:p>
             <a:fld id="{60037B0D-26B4-475B-AB9F-963DF3DF9BCD}" type="datetimeFigureOut">
               <a:rPr lang="zh-CN" altLang="en-US" smtClean="0"/>
-              <a:t>2024/4/10</a:t>
+              <a:t>2024/4/11</a:t>
             </a:fld>
             <a:endParaRPr lang="zh-CN" altLang="en-US"/>
           </a:p>
@@ -4671,7 +4672,7 @@
           <a:p>
             <a:fld id="{60037B0D-26B4-475B-AB9F-963DF3DF9BCD}" type="datetimeFigureOut">
               <a:rPr lang="zh-CN" altLang="en-US" smtClean="0"/>
-              <a:t>2024/4/10</a:t>
+              <a:t>2024/4/11</a:t>
             </a:fld>
             <a:endParaRPr lang="zh-CN" altLang="en-US"/>
           </a:p>
@@ -4841,7 +4842,7 @@
           <a:p>
             <a:fld id="{60037B0D-26B4-475B-AB9F-963DF3DF9BCD}" type="datetimeFigureOut">
               <a:rPr lang="zh-CN" altLang="en-US" smtClean="0"/>
-              <a:t>2024/4/10</a:t>
+              <a:t>2024/4/11</a:t>
             </a:fld>
             <a:endParaRPr lang="zh-CN" altLang="en-US"/>
           </a:p>
@@ -5085,7 +5086,7 @@
           <a:p>
             <a:fld id="{60037B0D-26B4-475B-AB9F-963DF3DF9BCD}" type="datetimeFigureOut">
               <a:rPr lang="zh-CN" altLang="en-US" smtClean="0"/>
-              <a:t>2024/4/10</a:t>
+              <a:t>2024/4/11</a:t>
             </a:fld>
             <a:endParaRPr lang="zh-CN" altLang="en-US"/>
           </a:p>
@@ -5317,7 +5318,7 @@
           <a:p>
             <a:fld id="{60037B0D-26B4-475B-AB9F-963DF3DF9BCD}" type="datetimeFigureOut">
               <a:rPr lang="zh-CN" altLang="en-US" smtClean="0"/>
-              <a:t>2024/4/10</a:t>
+              <a:t>2024/4/11</a:t>
             </a:fld>
             <a:endParaRPr lang="zh-CN" altLang="en-US"/>
           </a:p>
@@ -5684,7 +5685,7 @@
           <a:p>
             <a:fld id="{60037B0D-26B4-475B-AB9F-963DF3DF9BCD}" type="datetimeFigureOut">
               <a:rPr lang="zh-CN" altLang="en-US" smtClean="0"/>
-              <a:t>2024/4/10</a:t>
+              <a:t>2024/4/11</a:t>
             </a:fld>
             <a:endParaRPr lang="zh-CN" altLang="en-US"/>
           </a:p>
@@ -5802,7 +5803,7 @@
           <a:p>
             <a:fld id="{60037B0D-26B4-475B-AB9F-963DF3DF9BCD}" type="datetimeFigureOut">
               <a:rPr lang="zh-CN" altLang="en-US" smtClean="0"/>
-              <a:t>2024/4/10</a:t>
+              <a:t>2024/4/11</a:t>
             </a:fld>
             <a:endParaRPr lang="zh-CN" altLang="en-US"/>
           </a:p>
@@ -5897,7 +5898,7 @@
           <a:p>
             <a:fld id="{60037B0D-26B4-475B-AB9F-963DF3DF9BCD}" type="datetimeFigureOut">
               <a:rPr lang="zh-CN" altLang="en-US" smtClean="0"/>
-              <a:t>2024/4/10</a:t>
+              <a:t>2024/4/11</a:t>
             </a:fld>
             <a:endParaRPr lang="zh-CN" altLang="en-US"/>
           </a:p>
@@ -6174,7 +6175,7 @@
           <a:p>
             <a:fld id="{60037B0D-26B4-475B-AB9F-963DF3DF9BCD}" type="datetimeFigureOut">
               <a:rPr lang="zh-CN" altLang="en-US" smtClean="0"/>
-              <a:t>2024/4/10</a:t>
+              <a:t>2024/4/11</a:t>
             </a:fld>
             <a:endParaRPr lang="zh-CN" altLang="en-US"/>
           </a:p>
@@ -6431,7 +6432,7 @@
           <a:p>
             <a:fld id="{60037B0D-26B4-475B-AB9F-963DF3DF9BCD}" type="datetimeFigureOut">
               <a:rPr lang="zh-CN" altLang="en-US" smtClean="0"/>
-              <a:t>2024/4/10</a:t>
+              <a:t>2024/4/11</a:t>
             </a:fld>
             <a:endParaRPr lang="zh-CN" altLang="en-US"/>
           </a:p>
@@ -6644,7 +6645,7 @@
           <a:p>
             <a:fld id="{60037B0D-26B4-475B-AB9F-963DF3DF9BCD}" type="datetimeFigureOut">
               <a:rPr lang="zh-CN" altLang="en-US" smtClean="0"/>
-              <a:t>2024/4/10</a:t>
+              <a:t>2024/4/11</a:t>
             </a:fld>
             <a:endParaRPr lang="zh-CN" altLang="en-US"/>
           </a:p>
@@ -19418,6 +19419,734 @@
           <a:chExt cx="0" cy="0"/>
         </a:xfrm>
       </p:grpSpPr>
+      <p:pic>
+        <p:nvPicPr>
+          <p:cNvPr id="1026" name="Picture 2">
+            <a:extLst>
+              <a:ext uri="{FF2B5EF4-FFF2-40B4-BE49-F238E27FC236}">
+                <a16:creationId xmlns:a16="http://schemas.microsoft.com/office/drawing/2014/main" id="{FEDC02AD-AC91-4DD9-A601-9AAAB3518E30}"/>
+              </a:ext>
+            </a:extLst>
+          </p:cNvPr>
+          <p:cNvPicPr>
+            <a:picLocks noChangeAspect="1" noChangeArrowheads="1"/>
+          </p:cNvPicPr>
+          <p:nvPr/>
+        </p:nvPicPr>
+        <p:blipFill>
+          <a:blip r:embed="rId2">
+            <a:extLst>
+              <a:ext uri="{28A0092B-C50C-407E-A947-70E740481C1C}">
+                <a14:useLocalDpi xmlns:a14="http://schemas.microsoft.com/office/drawing/2010/main" val="0"/>
+              </a:ext>
+            </a:extLst>
+          </a:blip>
+          <a:srcRect/>
+          <a:stretch>
+            <a:fillRect/>
+          </a:stretch>
+        </p:blipFill>
+        <p:spPr bwMode="auto">
+          <a:xfrm>
+            <a:off x="350035" y="3743071"/>
+            <a:ext cx="2162021" cy="2089769"/>
+          </a:xfrm>
+          <a:prstGeom prst="rect">
+            <a:avLst/>
+          </a:prstGeom>
+          <a:noFill/>
+          <a:extLst>
+            <a:ext uri="{909E8E84-426E-40DD-AFC4-6F175D3DCCD1}">
+              <a14:hiddenFill xmlns:a14="http://schemas.microsoft.com/office/drawing/2010/main">
+                <a:solidFill>
+                  <a:srgbClr val="FFFFFF"/>
+                </a:solidFill>
+              </a14:hiddenFill>
+            </a:ext>
+          </a:extLst>
+        </p:spPr>
+      </p:pic>
+      <p:pic>
+        <p:nvPicPr>
+          <p:cNvPr id="1028" name="Picture 4">
+            <a:extLst>
+              <a:ext uri="{FF2B5EF4-FFF2-40B4-BE49-F238E27FC236}">
+                <a16:creationId xmlns:a16="http://schemas.microsoft.com/office/drawing/2014/main" id="{370FA8B9-EB03-4D82-94D5-39DB0451CC36}"/>
+              </a:ext>
+            </a:extLst>
+          </p:cNvPr>
+          <p:cNvPicPr>
+            <a:picLocks noChangeAspect="1" noChangeArrowheads="1"/>
+          </p:cNvPicPr>
+          <p:nvPr/>
+        </p:nvPicPr>
+        <p:blipFill>
+          <a:blip r:embed="rId3">
+            <a:extLst>
+              <a:ext uri="{28A0092B-C50C-407E-A947-70E740481C1C}">
+                <a14:useLocalDpi xmlns:a14="http://schemas.microsoft.com/office/drawing/2010/main" val="0"/>
+              </a:ext>
+            </a:extLst>
+          </a:blip>
+          <a:srcRect/>
+          <a:stretch>
+            <a:fillRect/>
+          </a:stretch>
+        </p:blipFill>
+        <p:spPr bwMode="auto">
+          <a:xfrm>
+            <a:off x="6017430" y="3782499"/>
+            <a:ext cx="2736531" cy="1983107"/>
+          </a:xfrm>
+          <a:prstGeom prst="rect">
+            <a:avLst/>
+          </a:prstGeom>
+          <a:noFill/>
+          <a:extLst>
+            <a:ext uri="{909E8E84-426E-40DD-AFC4-6F175D3DCCD1}">
+              <a14:hiddenFill xmlns:a14="http://schemas.microsoft.com/office/drawing/2010/main">
+                <a:solidFill>
+                  <a:srgbClr val="FFFFFF"/>
+                </a:solidFill>
+              </a14:hiddenFill>
+            </a:ext>
+          </a:extLst>
+        </p:spPr>
+      </p:pic>
+      <p:pic>
+        <p:nvPicPr>
+          <p:cNvPr id="3" name="图片 2">
+            <a:extLst>
+              <a:ext uri="{FF2B5EF4-FFF2-40B4-BE49-F238E27FC236}">
+                <a16:creationId xmlns:a16="http://schemas.microsoft.com/office/drawing/2014/main" id="{517F36BE-3D6E-4F4E-B870-1BE08A57FC89}"/>
+              </a:ext>
+            </a:extLst>
+          </p:cNvPr>
+          <p:cNvPicPr>
+            <a:picLocks noChangeAspect="1"/>
+          </p:cNvPicPr>
+          <p:nvPr/>
+        </p:nvPicPr>
+        <p:blipFill>
+          <a:blip r:embed="rId4"/>
+          <a:stretch>
+            <a:fillRect/>
+          </a:stretch>
+        </p:blipFill>
+        <p:spPr>
+          <a:xfrm>
+            <a:off x="2512055" y="3679347"/>
+            <a:ext cx="3357941" cy="127450"/>
+          </a:xfrm>
+          <a:prstGeom prst="rect">
+            <a:avLst/>
+          </a:prstGeom>
+        </p:spPr>
+      </p:pic>
+      <p:pic>
+        <p:nvPicPr>
+          <p:cNvPr id="8" name="图片 7">
+            <a:extLst>
+              <a:ext uri="{FF2B5EF4-FFF2-40B4-BE49-F238E27FC236}">
+                <a16:creationId xmlns:a16="http://schemas.microsoft.com/office/drawing/2014/main" id="{89F55FF7-EFE6-4104-9C13-98944D12C0CE}"/>
+              </a:ext>
+            </a:extLst>
+          </p:cNvPr>
+          <p:cNvPicPr>
+            <a:picLocks noChangeAspect="1"/>
+          </p:cNvPicPr>
+          <p:nvPr/>
+        </p:nvPicPr>
+        <p:blipFill>
+          <a:blip r:embed="rId4"/>
+          <a:stretch>
+            <a:fillRect/>
+          </a:stretch>
+        </p:blipFill>
+        <p:spPr>
+          <a:xfrm>
+            <a:off x="5795920" y="3682446"/>
+            <a:ext cx="221510" cy="2086669"/>
+          </a:xfrm>
+          <a:prstGeom prst="rect">
+            <a:avLst/>
+          </a:prstGeom>
+        </p:spPr>
+      </p:pic>
+      <p:pic>
+        <p:nvPicPr>
+          <p:cNvPr id="10" name="图片 9">
+            <a:extLst>
+              <a:ext uri="{FF2B5EF4-FFF2-40B4-BE49-F238E27FC236}">
+                <a16:creationId xmlns:a16="http://schemas.microsoft.com/office/drawing/2014/main" id="{0EC86BDD-4384-491D-895E-5CB86A214417}"/>
+              </a:ext>
+            </a:extLst>
+          </p:cNvPr>
+          <p:cNvPicPr>
+            <a:picLocks noChangeAspect="1"/>
+          </p:cNvPicPr>
+          <p:nvPr/>
+        </p:nvPicPr>
+        <p:blipFill>
+          <a:blip r:embed="rId4"/>
+          <a:stretch>
+            <a:fillRect/>
+          </a:stretch>
+        </p:blipFill>
+        <p:spPr>
+          <a:xfrm>
+            <a:off x="4874331" y="5586491"/>
+            <a:ext cx="1143099" cy="405800"/>
+          </a:xfrm>
+          <a:prstGeom prst="rect">
+            <a:avLst/>
+          </a:prstGeom>
+        </p:spPr>
+      </p:pic>
+      <p:pic>
+        <p:nvPicPr>
+          <p:cNvPr id="12" name="图片 11">
+            <a:extLst>
+              <a:ext uri="{FF2B5EF4-FFF2-40B4-BE49-F238E27FC236}">
+                <a16:creationId xmlns:a16="http://schemas.microsoft.com/office/drawing/2014/main" id="{43272D0B-C692-4450-804E-68A0A7631EB2}"/>
+              </a:ext>
+            </a:extLst>
+          </p:cNvPr>
+          <p:cNvPicPr>
+            <a:picLocks noChangeAspect="1"/>
+          </p:cNvPicPr>
+          <p:nvPr/>
+        </p:nvPicPr>
+        <p:blipFill>
+          <a:blip r:embed="rId4"/>
+          <a:stretch>
+            <a:fillRect/>
+          </a:stretch>
+        </p:blipFill>
+        <p:spPr>
+          <a:xfrm>
+            <a:off x="2419242" y="3737587"/>
+            <a:ext cx="166531" cy="405800"/>
+          </a:xfrm>
+          <a:prstGeom prst="rect">
+            <a:avLst/>
+          </a:prstGeom>
+        </p:spPr>
+      </p:pic>
+      <p:pic>
+        <p:nvPicPr>
+          <p:cNvPr id="17" name="Picture 8">
+            <a:extLst>
+              <a:ext uri="{FF2B5EF4-FFF2-40B4-BE49-F238E27FC236}">
+                <a16:creationId xmlns:a16="http://schemas.microsoft.com/office/drawing/2014/main" id="{AAF2CC5C-2300-4144-A2F6-C64D2CFE2D49}"/>
+              </a:ext>
+            </a:extLst>
+          </p:cNvPr>
+          <p:cNvPicPr>
+            <a:picLocks noChangeAspect="1" noChangeArrowheads="1"/>
+          </p:cNvPicPr>
+          <p:nvPr/>
+        </p:nvPicPr>
+        <p:blipFill rotWithShape="1">
+          <a:blip r:embed="rId5">
+            <a:extLst>
+              <a:ext uri="{28A0092B-C50C-407E-A947-70E740481C1C}">
+                <a14:useLocalDpi xmlns:a14="http://schemas.microsoft.com/office/drawing/2010/main" val="0"/>
+              </a:ext>
+            </a:extLst>
+          </a:blip>
+          <a:srcRect l="2992" t="-7888" r="28912" b="7888"/>
+          <a:stretch/>
+        </p:blipFill>
+        <p:spPr bwMode="auto">
+          <a:xfrm>
+            <a:off x="2822761" y="3361168"/>
+            <a:ext cx="2736530" cy="2390504"/>
+          </a:xfrm>
+          <a:prstGeom prst="rect">
+            <a:avLst/>
+          </a:prstGeom>
+          <a:noFill/>
+          <a:extLst>
+            <a:ext uri="{909E8E84-426E-40DD-AFC4-6F175D3DCCD1}">
+              <a14:hiddenFill xmlns:a14="http://schemas.microsoft.com/office/drawing/2010/main">
+                <a:solidFill>
+                  <a:srgbClr val="FFFFFF"/>
+                </a:solidFill>
+              </a14:hiddenFill>
+            </a:ext>
+          </a:extLst>
+        </p:spPr>
+      </p:pic>
+      <p:sp>
+        <p:nvSpPr>
+          <p:cNvPr id="5" name="文本框 4">
+            <a:extLst>
+              <a:ext uri="{FF2B5EF4-FFF2-40B4-BE49-F238E27FC236}">
+                <a16:creationId xmlns:a16="http://schemas.microsoft.com/office/drawing/2014/main" id="{6BF0C2C8-D432-4B82-8846-42C5B64FD228}"/>
+              </a:ext>
+            </a:extLst>
+          </p:cNvPr>
+          <p:cNvSpPr txBox="1"/>
+          <p:nvPr/>
+        </p:nvSpPr>
+        <p:spPr>
+          <a:xfrm>
+            <a:off x="249450" y="710866"/>
+            <a:ext cx="8403927" cy="3416320"/>
+          </a:xfrm>
+          <a:prstGeom prst="rect">
+            <a:avLst/>
+          </a:prstGeom>
+          <a:noFill/>
+        </p:spPr>
+        <p:txBody>
+          <a:bodyPr wrap="square" rtlCol="0">
+            <a:spAutoFit/>
+          </a:bodyPr>
+          <a:lstStyle/>
+          <a:p>
+            <a:pPr algn="l"/>
+            <a:r>
+              <a:rPr lang="en-US" altLang="zh-CN" b="1" dirty="0">
+                <a:solidFill>
+                  <a:srgbClr val="1F1F1F"/>
+                </a:solidFill>
+              </a:rPr>
+              <a:t>DBSCAN</a:t>
+            </a:r>
+            <a:endParaRPr lang="en-US" altLang="zh-CN" b="1" dirty="0">
+              <a:solidFill>
+                <a:srgbClr val="121212"/>
+              </a:solidFill>
+              <a:latin typeface="-apple-system"/>
+            </a:endParaRPr>
+          </a:p>
+          <a:p>
+            <a:pPr algn="l">
+              <a:buFont typeface="+mj-lt"/>
+              <a:buAutoNum type="arabicPeriod"/>
+            </a:pPr>
+            <a:r>
+              <a:rPr lang="en-US" altLang="zh-CN" b="1" dirty="0">
+                <a:solidFill>
+                  <a:srgbClr val="121212"/>
+                </a:solidFill>
+                <a:latin typeface="-apple-system"/>
+              </a:rPr>
+              <a:t>Epsilon (ɛ)</a:t>
+            </a:r>
+            <a:r>
+              <a:rPr lang="zh-CN" altLang="en-US" b="1" dirty="0">
+                <a:solidFill>
+                  <a:srgbClr val="121212"/>
+                </a:solidFill>
+                <a:latin typeface="-apple-system"/>
+              </a:rPr>
+              <a:t>：</a:t>
+            </a:r>
+            <a:r>
+              <a:rPr lang="en-US" altLang="zh-CN" dirty="0">
+                <a:solidFill>
+                  <a:srgbClr val="121212"/>
+                </a:solidFill>
+                <a:latin typeface="-apple-system"/>
+              </a:rPr>
+              <a:t>DBSCAN</a:t>
+            </a:r>
+            <a:r>
+              <a:rPr lang="zh-CN" altLang="en-US" dirty="0">
+                <a:solidFill>
+                  <a:srgbClr val="121212"/>
+                </a:solidFill>
+                <a:latin typeface="-apple-system"/>
+              </a:rPr>
+              <a:t>用来确定两个点是否相似和属于同一类的距离。更大的</a:t>
+            </a:r>
+            <a:r>
+              <a:rPr lang="en-US" altLang="zh-CN" dirty="0">
+                <a:solidFill>
+                  <a:srgbClr val="121212"/>
+                </a:solidFill>
+                <a:latin typeface="-apple-system"/>
+              </a:rPr>
+              <a:t>epsilon</a:t>
+            </a:r>
+            <a:r>
+              <a:rPr lang="zh-CN" altLang="en-US" dirty="0">
+                <a:solidFill>
+                  <a:srgbClr val="121212"/>
+                </a:solidFill>
+                <a:latin typeface="-apple-system"/>
+              </a:rPr>
+              <a:t>将产生更大的簇</a:t>
+            </a:r>
+            <a:r>
+              <a:rPr lang="en-US" altLang="zh-CN" dirty="0">
+                <a:solidFill>
+                  <a:srgbClr val="121212"/>
+                </a:solidFill>
+                <a:latin typeface="-apple-system"/>
+              </a:rPr>
+              <a:t>(</a:t>
+            </a:r>
+            <a:r>
+              <a:rPr lang="zh-CN" altLang="en-US" dirty="0">
+                <a:solidFill>
+                  <a:srgbClr val="121212"/>
+                </a:solidFill>
+                <a:latin typeface="-apple-system"/>
+              </a:rPr>
+              <a:t>包含更多的数据点</a:t>
+            </a:r>
+            <a:r>
+              <a:rPr lang="en-US" altLang="zh-CN" dirty="0">
+                <a:solidFill>
+                  <a:srgbClr val="121212"/>
+                </a:solidFill>
+                <a:latin typeface="-apple-system"/>
+              </a:rPr>
+              <a:t>)</a:t>
+            </a:r>
+            <a:r>
+              <a:rPr lang="zh-CN" altLang="en-US" dirty="0">
+                <a:solidFill>
+                  <a:srgbClr val="121212"/>
+                </a:solidFill>
+                <a:latin typeface="-apple-system"/>
+              </a:rPr>
+              <a:t>，更小的</a:t>
+            </a:r>
+            <a:r>
+              <a:rPr lang="en-US" altLang="zh-CN" dirty="0">
+                <a:solidFill>
+                  <a:srgbClr val="121212"/>
+                </a:solidFill>
+                <a:latin typeface="-apple-system"/>
+              </a:rPr>
+              <a:t>epsilon</a:t>
+            </a:r>
+            <a:r>
+              <a:rPr lang="zh-CN" altLang="en-US" dirty="0">
+                <a:solidFill>
+                  <a:srgbClr val="121212"/>
+                </a:solidFill>
+                <a:latin typeface="-apple-system"/>
+              </a:rPr>
+              <a:t>将构建更小的簇。</a:t>
+            </a:r>
+            <a:endParaRPr lang="en-US" altLang="zh-CN" dirty="0">
+              <a:solidFill>
+                <a:srgbClr val="121212"/>
+              </a:solidFill>
+              <a:latin typeface="-apple-system"/>
+            </a:endParaRPr>
+          </a:p>
+          <a:p>
+            <a:pPr algn="l">
+              <a:buFont typeface="+mj-lt"/>
+              <a:buAutoNum type="arabicPeriod"/>
+            </a:pPr>
+            <a:endParaRPr lang="zh-CN" altLang="en-US" dirty="0">
+              <a:solidFill>
+                <a:srgbClr val="121212"/>
+              </a:solidFill>
+              <a:latin typeface="-apple-system"/>
+            </a:endParaRPr>
+          </a:p>
+          <a:p>
+            <a:pPr algn="l">
+              <a:buFont typeface="+mj-lt"/>
+              <a:buAutoNum type="arabicPeriod"/>
+            </a:pPr>
+            <a:r>
+              <a:rPr lang="zh-CN" altLang="en-US" b="1" dirty="0">
+                <a:solidFill>
+                  <a:srgbClr val="121212"/>
+                </a:solidFill>
+                <a:latin typeface="-apple-system"/>
+              </a:rPr>
+              <a:t>最小点</a:t>
+            </a:r>
+            <a:r>
+              <a:rPr lang="en-US" altLang="zh-CN" b="1" dirty="0">
+                <a:solidFill>
+                  <a:srgbClr val="121212"/>
+                </a:solidFill>
+                <a:latin typeface="-apple-system"/>
+              </a:rPr>
+              <a:t>(</a:t>
+            </a:r>
+            <a:r>
+              <a:rPr lang="en-US" altLang="zh-CN" b="1" dirty="0" err="1">
+                <a:solidFill>
+                  <a:srgbClr val="121212"/>
+                </a:solidFill>
+                <a:latin typeface="-apple-system"/>
+              </a:rPr>
+              <a:t>minPts</a:t>
+            </a:r>
+            <a:r>
+              <a:rPr lang="en-US" altLang="zh-CN" b="1" dirty="0">
+                <a:solidFill>
+                  <a:srgbClr val="121212"/>
+                </a:solidFill>
+                <a:latin typeface="-apple-system"/>
+              </a:rPr>
+              <a:t>)</a:t>
+            </a:r>
+            <a:r>
+              <a:rPr lang="zh-CN" altLang="en-US" b="1" dirty="0">
+                <a:solidFill>
+                  <a:srgbClr val="121212"/>
+                </a:solidFill>
+                <a:latin typeface="-apple-system"/>
+              </a:rPr>
+              <a:t>：</a:t>
+            </a:r>
+            <a:r>
+              <a:rPr lang="zh-CN" altLang="en-US" dirty="0">
+                <a:solidFill>
+                  <a:srgbClr val="121212"/>
+                </a:solidFill>
+                <a:latin typeface="-apple-system"/>
+              </a:rPr>
+              <a:t>在一个邻域的半径内</a:t>
+            </a:r>
+            <a:r>
+              <a:rPr lang="zh-CN" altLang="en-US" b="1" dirty="0">
+                <a:solidFill>
+                  <a:srgbClr val="121212"/>
+                </a:solidFill>
+                <a:latin typeface="-apple-system"/>
+              </a:rPr>
+              <a:t>至少包含</a:t>
+            </a:r>
+            <a:r>
+              <a:rPr lang="en-US" altLang="zh-CN" dirty="0" err="1">
+                <a:solidFill>
+                  <a:srgbClr val="121212"/>
+                </a:solidFill>
+                <a:latin typeface="-apple-system"/>
+              </a:rPr>
+              <a:t>minPts</a:t>
+            </a:r>
+            <a:r>
+              <a:rPr lang="zh-CN" altLang="en-US" dirty="0">
+                <a:solidFill>
+                  <a:srgbClr val="121212"/>
+                </a:solidFill>
+                <a:latin typeface="-apple-system"/>
+              </a:rPr>
+              <a:t>数的邻域被认为是</a:t>
+            </a:r>
+            <a:r>
+              <a:rPr lang="zh-CN" altLang="en-US" b="1" dirty="0">
+                <a:solidFill>
+                  <a:srgbClr val="121212"/>
+                </a:solidFill>
+                <a:latin typeface="-apple-system"/>
+              </a:rPr>
+              <a:t>一个簇</a:t>
+            </a:r>
+            <a:r>
+              <a:rPr lang="zh-CN" altLang="en-US" dirty="0">
+                <a:solidFill>
+                  <a:srgbClr val="121212"/>
+                </a:solidFill>
+                <a:latin typeface="-apple-system"/>
+              </a:rPr>
+              <a:t>。一个较低的</a:t>
+            </a:r>
+            <a:r>
+              <a:rPr lang="en-US" altLang="zh-CN" dirty="0" err="1">
+                <a:solidFill>
+                  <a:srgbClr val="121212"/>
+                </a:solidFill>
+                <a:latin typeface="-apple-system"/>
+              </a:rPr>
+              <a:t>minPts</a:t>
+            </a:r>
+            <a:r>
+              <a:rPr lang="zh-CN" altLang="en-US" dirty="0">
+                <a:solidFill>
+                  <a:srgbClr val="121212"/>
+                </a:solidFill>
+                <a:latin typeface="-apple-system"/>
+              </a:rPr>
+              <a:t>帮助算法建立更多的集群与更多的噪声。</a:t>
+            </a:r>
+            <a:endParaRPr lang="en-US" altLang="zh-CN" dirty="0">
+              <a:solidFill>
+                <a:srgbClr val="121212"/>
+              </a:solidFill>
+              <a:latin typeface="-apple-system"/>
+            </a:endParaRPr>
+          </a:p>
+          <a:p>
+            <a:pPr algn="l"/>
+            <a:r>
+              <a:rPr lang="zh-CN" altLang="en-US" dirty="0">
+                <a:solidFill>
+                  <a:srgbClr val="121212"/>
+                </a:solidFill>
+                <a:latin typeface="-apple-system"/>
+              </a:rPr>
+              <a:t>核心点：如果一个对象在其半径</a:t>
+            </a:r>
+            <a:r>
+              <a:rPr lang="en-US" altLang="zh-CN" dirty="0">
+                <a:solidFill>
+                  <a:srgbClr val="121212"/>
+                </a:solidFill>
+                <a:latin typeface="-apple-system"/>
+              </a:rPr>
+              <a:t>Eps</a:t>
+            </a:r>
+            <a:r>
+              <a:rPr lang="zh-CN" altLang="en-US" dirty="0">
+                <a:solidFill>
+                  <a:srgbClr val="121212"/>
+                </a:solidFill>
+                <a:latin typeface="-apple-system"/>
+              </a:rPr>
+              <a:t>内含有超过</a:t>
+            </a:r>
+            <a:r>
+              <a:rPr lang="en-US" altLang="zh-CN" dirty="0" err="1">
+                <a:solidFill>
+                  <a:srgbClr val="121212"/>
+                </a:solidFill>
+                <a:latin typeface="-apple-system"/>
+              </a:rPr>
+              <a:t>MmPts</a:t>
+            </a:r>
+            <a:r>
+              <a:rPr lang="zh-CN" altLang="en-US" dirty="0">
+                <a:solidFill>
+                  <a:srgbClr val="121212"/>
+                </a:solidFill>
+                <a:latin typeface="-apple-system"/>
+              </a:rPr>
+              <a:t>数目的点。</a:t>
+            </a:r>
+          </a:p>
+          <a:p>
+            <a:pPr algn="l"/>
+            <a:r>
+              <a:rPr lang="zh-CN" altLang="en-US" dirty="0">
+                <a:solidFill>
+                  <a:srgbClr val="121212"/>
+                </a:solidFill>
+                <a:latin typeface="-apple-system"/>
+              </a:rPr>
+              <a:t>边界点：如果一个对象在其半径 </a:t>
+            </a:r>
+            <a:r>
+              <a:rPr lang="en-US" altLang="zh-CN" dirty="0">
+                <a:solidFill>
+                  <a:srgbClr val="121212"/>
+                </a:solidFill>
+                <a:latin typeface="-apple-system"/>
+              </a:rPr>
+              <a:t>Eps </a:t>
+            </a:r>
+            <a:r>
+              <a:rPr lang="zh-CN" altLang="en-US" dirty="0">
+                <a:solidFill>
+                  <a:srgbClr val="121212"/>
+                </a:solidFill>
+                <a:latin typeface="-apple-system"/>
+              </a:rPr>
+              <a:t>内含有点的数量小于 </a:t>
+            </a:r>
+            <a:r>
+              <a:rPr lang="en-US" altLang="zh-CN" dirty="0" err="1">
+                <a:solidFill>
+                  <a:srgbClr val="121212"/>
+                </a:solidFill>
+                <a:latin typeface="-apple-system"/>
+              </a:rPr>
+              <a:t>MinPts</a:t>
+            </a:r>
+            <a:r>
+              <a:rPr lang="zh-CN" altLang="en-US" dirty="0">
+                <a:solidFill>
+                  <a:srgbClr val="121212"/>
+                </a:solidFill>
+                <a:latin typeface="-apple-system"/>
+              </a:rPr>
+              <a:t>，但是该对象落在核心点的邻域内。</a:t>
+            </a:r>
+          </a:p>
+          <a:p>
+            <a:pPr algn="l"/>
+            <a:r>
+              <a:rPr lang="zh-CN" altLang="en-US" dirty="0">
+                <a:solidFill>
+                  <a:srgbClr val="121212"/>
+                </a:solidFill>
+                <a:latin typeface="-apple-system"/>
+              </a:rPr>
+              <a:t>噪音点：如果一个对象既不是核心点也不是边界点。</a:t>
+            </a:r>
+            <a:endParaRPr lang="en-US" altLang="zh-CN" dirty="0">
+              <a:solidFill>
+                <a:srgbClr val="121212"/>
+              </a:solidFill>
+              <a:latin typeface="-apple-system"/>
+            </a:endParaRPr>
+          </a:p>
+          <a:p>
+            <a:pPr algn="l"/>
+            <a:endParaRPr lang="en-US" altLang="zh-CN" dirty="0">
+              <a:solidFill>
+                <a:srgbClr val="121212"/>
+              </a:solidFill>
+              <a:latin typeface="-apple-system"/>
+            </a:endParaRPr>
+          </a:p>
+          <a:p>
+            <a:pPr algn="l"/>
+            <a:endParaRPr lang="zh-CN" altLang="en-US" dirty="0">
+              <a:solidFill>
+                <a:srgbClr val="121212"/>
+              </a:solidFill>
+              <a:latin typeface="-apple-system"/>
+            </a:endParaRPr>
+          </a:p>
+        </p:txBody>
+      </p:sp>
+    </p:spTree>
+    <p:extLst>
+      <p:ext uri="{BB962C8B-B14F-4D97-AF65-F5344CB8AC3E}">
+        <p14:creationId xmlns:p14="http://schemas.microsoft.com/office/powerpoint/2010/main" val="613795202"/>
+      </p:ext>
+    </p:extLst>
+  </p:cSld>
+  <p:clrMapOvr>
+    <a:masterClrMapping/>
+  </p:clrMapOvr>
+</p:sld>
+</file>
+
+<file path=ppt/slides/slide22.xml><?xml version="1.0" encoding="utf-8"?>
+<p:sld xmlns:a="http://schemas.openxmlformats.org/drawingml/2006/main" xmlns:r="http://schemas.openxmlformats.org/officeDocument/2006/relationships" xmlns:p="http://schemas.openxmlformats.org/presentationml/2006/main">
+  <p:cSld>
+    <p:spTree>
+      <p:nvGrpSpPr>
+        <p:cNvPr id="1" name=""/>
+        <p:cNvGrpSpPr/>
+        <p:nvPr/>
+      </p:nvGrpSpPr>
+      <p:grpSpPr>
+        <a:xfrm>
+          <a:off x="0" y="0"/>
+          <a:ext cx="0" cy="0"/>
+          <a:chOff x="0" y="0"/>
+          <a:chExt cx="0" cy="0"/>
+        </a:xfrm>
+      </p:grpSpPr>
       <p:sp>
         <p:nvSpPr>
           <p:cNvPr id="3" name="文本框 2">
@@ -21982,7 +22711,7 @@
 </p:sld>
 </file>
 
-<file path=ppt/slides/slide22.xml><?xml version="1.0" encoding="utf-8"?>
+<file path=ppt/slides/slide23.xml><?xml version="1.0" encoding="utf-8"?>
 <p:sld xmlns:a="http://schemas.openxmlformats.org/drawingml/2006/main" xmlns:r="http://schemas.openxmlformats.org/officeDocument/2006/relationships" xmlns:p="http://schemas.openxmlformats.org/presentationml/2006/main">
   <p:cSld>
     <p:spTree>
@@ -22042,7 +22771,7 @@
 </p:sld>
 </file>
 
-<file path=ppt/slides/slide23.xml><?xml version="1.0" encoding="utf-8"?>
+<file path=ppt/slides/slide24.xml><?xml version="1.0" encoding="utf-8"?>
 <p:sld xmlns:a="http://schemas.openxmlformats.org/drawingml/2006/main" xmlns:r="http://schemas.openxmlformats.org/officeDocument/2006/relationships" xmlns:p="http://schemas.openxmlformats.org/presentationml/2006/main">
   <p:cSld>
     <p:spTree>
@@ -22102,7 +22831,7 @@
 </p:sld>
 </file>
 
-<file path=ppt/slides/slide24.xml><?xml version="1.0" encoding="utf-8"?>
+<file path=ppt/slides/slide25.xml><?xml version="1.0" encoding="utf-8"?>
 <p:sld xmlns:a="http://schemas.openxmlformats.org/drawingml/2006/main" xmlns:r="http://schemas.openxmlformats.org/officeDocument/2006/relationships" xmlns:p="http://schemas.openxmlformats.org/presentationml/2006/main">
   <p:cSld>
     <p:spTree>
@@ -23599,7 +24328,7 @@
 </p:sld>
 </file>
 
-<file path=ppt/slides/slide25.xml><?xml version="1.0" encoding="utf-8"?>
+<file path=ppt/slides/slide26.xml><?xml version="1.0" encoding="utf-8"?>
 <p:sld xmlns:a="http://schemas.openxmlformats.org/drawingml/2006/main" xmlns:r="http://schemas.openxmlformats.org/officeDocument/2006/relationships" xmlns:p="http://schemas.openxmlformats.org/presentationml/2006/main">
   <p:cSld>
     <p:spTree>
@@ -24666,7 +25395,7 @@
 </p:sld>
 </file>
 
-<file path=ppt/slides/slide26.xml><?xml version="1.0" encoding="utf-8"?>
+<file path=ppt/slides/slide27.xml><?xml version="1.0" encoding="utf-8"?>
 <p:sld xmlns:a="http://schemas.openxmlformats.org/drawingml/2006/main" xmlns:r="http://schemas.openxmlformats.org/officeDocument/2006/relationships" xmlns:p="http://schemas.openxmlformats.org/presentationml/2006/main">
   <p:cSld>
     <p:bg>
